--- a/01_CrimeAndHealthInTheMileHighCity_Part1.pptx
+++ b/01_CrimeAndHealthInTheMileHighCity_Part1.pptx
@@ -116,6 +116,11 @@
       </a:defRPr>
     </a:lvl9pPr>
   </p:defaultTextStyle>
+  <p:extLst>
+    <p:ext uri="{EFAFB233-063F-42B5-8137-9DF3F51BA10A}">
+      <p15:sldGuideLst xmlns:p15="http://schemas.microsoft.com/office/powerpoint/2012/main"/>
+    </p:ext>
+  </p:extLst>
 </p:presentation>
 </file>
 
@@ -266,7 +271,7 @@
           <a:p>
             <a:fld id="{6A4B53A7-3209-46A6-9454-F38EAC8F11E7}" type="datetimeFigureOut">
               <a:rPr lang="en-US" smtClean="0"/>
-              <a:t>10/8/21</a:t>
+              <a:t>10/10/21</a:t>
             </a:fld>
             <a:endParaRPr lang="en-US"/>
           </a:p>
@@ -517,7 +522,7 @@
           <a:p>
             <a:fld id="{6A4B53A7-3209-46A6-9454-F38EAC8F11E7}" type="datetimeFigureOut">
               <a:rPr lang="en-US" smtClean="0"/>
-              <a:t>10/8/21</a:t>
+              <a:t>10/10/21</a:t>
             </a:fld>
             <a:endParaRPr lang="en-US"/>
           </a:p>
@@ -778,7 +783,7 @@
           <a:p>
             <a:fld id="{6A4B53A7-3209-46A6-9454-F38EAC8F11E7}" type="datetimeFigureOut">
               <a:rPr lang="en-US" smtClean="0"/>
-              <a:t>10/8/21</a:t>
+              <a:t>10/10/21</a:t>
             </a:fld>
             <a:endParaRPr lang="en-US"/>
           </a:p>
@@ -1029,7 +1034,7 @@
           <a:p>
             <a:fld id="{6A4B53A7-3209-46A6-9454-F38EAC8F11E7}" type="datetimeFigureOut">
               <a:rPr lang="en-US" smtClean="0"/>
-              <a:t>10/8/21</a:t>
+              <a:t>10/10/21</a:t>
             </a:fld>
             <a:endParaRPr lang="en-US"/>
           </a:p>
@@ -1357,7 +1362,7 @@
           <a:p>
             <a:fld id="{6A4B53A7-3209-46A6-9454-F38EAC8F11E7}" type="datetimeFigureOut">
               <a:rPr lang="en-US" smtClean="0"/>
-              <a:t>10/8/21</a:t>
+              <a:t>10/10/21</a:t>
             </a:fld>
             <a:endParaRPr lang="en-US"/>
           </a:p>
@@ -1675,7 +1680,7 @@
           <a:p>
             <a:fld id="{6A4B53A7-3209-46A6-9454-F38EAC8F11E7}" type="datetimeFigureOut">
               <a:rPr lang="en-US" smtClean="0"/>
-              <a:t>10/8/21</a:t>
+              <a:t>10/10/21</a:t>
             </a:fld>
             <a:endParaRPr lang="en-US"/>
           </a:p>
@@ -2140,7 +2145,7 @@
           <a:p>
             <a:fld id="{6A4B53A7-3209-46A6-9454-F38EAC8F11E7}" type="datetimeFigureOut">
               <a:rPr lang="en-US" smtClean="0"/>
-              <a:t>10/8/21</a:t>
+              <a:t>10/10/21</a:t>
             </a:fld>
             <a:endParaRPr lang="en-US"/>
           </a:p>
@@ -2334,7 +2339,7 @@
           <a:p>
             <a:fld id="{6A4B53A7-3209-46A6-9454-F38EAC8F11E7}" type="datetimeFigureOut">
               <a:rPr lang="en-US" smtClean="0"/>
-              <a:t>10/8/21</a:t>
+              <a:t>10/10/21</a:t>
             </a:fld>
             <a:endParaRPr lang="en-US"/>
           </a:p>
@@ -2500,7 +2505,7 @@
           <a:p>
             <a:fld id="{6A4B53A7-3209-46A6-9454-F38EAC8F11E7}" type="datetimeFigureOut">
               <a:rPr lang="en-US" smtClean="0"/>
-              <a:t>10/8/21</a:t>
+              <a:t>10/10/21</a:t>
             </a:fld>
             <a:endParaRPr lang="en-US"/>
           </a:p>
@@ -2864,7 +2869,7 @@
           <a:p>
             <a:fld id="{6A4B53A7-3209-46A6-9454-F38EAC8F11E7}" type="datetimeFigureOut">
               <a:rPr lang="en-US" smtClean="0"/>
-              <a:t>10/8/21</a:t>
+              <a:t>10/10/21</a:t>
             </a:fld>
             <a:endParaRPr lang="en-US"/>
           </a:p>
@@ -3208,7 +3213,7 @@
           <a:p>
             <a:fld id="{6A4B53A7-3209-46A6-9454-F38EAC8F11E7}" type="datetimeFigureOut">
               <a:rPr lang="en-US" smtClean="0"/>
-              <a:t>10/8/21</a:t>
+              <a:t>10/10/21</a:t>
             </a:fld>
             <a:endParaRPr lang="en-US"/>
           </a:p>
@@ -3503,7 +3508,7 @@
             <a:fld id="{6A4B53A7-3209-46A6-9454-F38EAC8F11E7}" type="datetimeFigureOut">
               <a:rPr lang="en-US" smtClean="0"/>
               <a:pPr/>
-              <a:t>10/8/21</a:t>
+              <a:t>10/10/21</a:t>
             </a:fld>
             <a:endParaRPr lang="en-US" dirty="0"/>
           </a:p>
@@ -4282,7 +4287,7 @@
                   <a:schemeClr val="bg1"/>
                 </a:solidFill>
               </a:rPr>
-              <a:t>Different datasets cover different time periods so we will need to strategize how to deal with this</a:t>
+              <a:t>Different datasets cover different time periods so we will need to strategize how to deal with this.</a:t>
             </a:r>
           </a:p>
           <a:p>
@@ -5062,7 +5067,7 @@
                   <a:schemeClr val="bg1"/>
                 </a:solidFill>
               </a:rPr>
-              <a:t>These measurements will help us to understand whether different attributes are dependent or independent variables. We also  anticipate developing association rules that describe the relationship between correlated attributes. We will therefore likely rely on measuring support and confidence to evaluate the interestingness of our proposed rules. Finally, naive Bayesian analysis could help us to predict the likelihood of certain crimes and health outcomes occurring in specific neighborhoods.</a:t>
+              <a:t>These measurements will help us to understand whether different attributes are dependent or independent variables. We also anticipate developing association rules that describe the relationship between correlated attributes. We will therefore likely rely on measuring support and confidence to evaluate the interestingness of our proposed rules. Finally, naive Bayesian analysis could help us to predict the likelihood of certain crimes and health outcomes occurring in specific neighborhoods.</a:t>
             </a:r>
           </a:p>
           <a:p>
@@ -5180,7 +5185,7 @@
                   <a:schemeClr val="bg1"/>
                 </a:solidFill>
               </a:rPr>
-              <a:t>We intend to explore the intersection of crime and health in Denver, CO with an emphasis on comparing neighborhoods and their relative affluence in the city. In doing so, we hope to shed light on what kinds of crimes occur where and whether there is a measurable correlation between the rates of these crimes and health outcomes as measured by metrics like rates of obesity, diabetes, and life expectancy. We also wish to look at how crime and health outcomes have changed over time, which may be related to events like the COVID-19 pandemic and the introduction of social programs like Denver’s Star Program.</a:t>
+              <a:t>We intend to explore the intersection of crime and health in Denver, CO with an emphasis on comparing neighborhoods and their demographic characteristics in the city. In doing so, we hope to shed light on what crimes occur where, and whether there is a measurable correlation between the rates of these crimes and health outcomes as measured by metrics like obesity, diabetes, and life expectancy. We also wish to look at how crime and health outcomes have changed over time, which may be related to events like the COVID-19 pandemic and the introduction of social programs like Denver’s Star Program.</a:t>
             </a:r>
           </a:p>
         </p:txBody>
@@ -5584,7 +5589,7 @@
                   <a:schemeClr val="bg1"/>
                 </a:solidFill>
               </a:rPr>
-              <a:t>Exposure to violent crime damages the health and development of victims, family members, and entire communities. Low-income people and racial and ethnic minorities are disproportionately affected.</a:t>
+              <a:t>Exposure to violent crime damages the health and development of victims, family members, and entire communities. Low-income people, racial groups, and ethnic minorities are disproportionately affected.</a:t>
             </a:r>
           </a:p>
           <a:p>
@@ -5833,7 +5838,7 @@
                   <a:schemeClr val="bg1"/>
                 </a:solidFill>
               </a:rPr>
-              <a:t>High cumulative violence increases the risk of comorbid symptoms and stress-related diseases including hypertension</a:t>
+              <a:t>High cumulative violence increases the risk of comorbid symptoms and stress-related diseases including hypertension.</a:t>
             </a:r>
           </a:p>
         </p:txBody>
@@ -6188,23 +6193,7 @@
                   <a:schemeClr val="bg1"/>
                 </a:solidFill>
               </a:rPr>
-              <a:t>We will utilize </a:t>
-            </a:r>
-            <a:r>
-              <a:rPr lang="en-US" sz="1800" dirty="0" err="1">
-                <a:solidFill>
-                  <a:schemeClr val="bg1"/>
-                </a:solidFill>
-              </a:rPr>
-              <a:t>Github</a:t>
-            </a:r>
-            <a:r>
-              <a:rPr lang="en-US" sz="1800" dirty="0">
-                <a:solidFill>
-                  <a:schemeClr val="bg1"/>
-                </a:solidFill>
-              </a:rPr>
-              <a:t> for version control.  As such, all datasets will be simultaneously available to all team members via a shared repository.  To maintain the repository and prevent merge conflicts, we will utilize the Kanban style app Trello for project management.  Our base file type will be comma separated value(CSV) files.</a:t>
+              <a:t>We will utilize GitHub for version control.  As such, all datasets will be simultaneously available to all team members via a shared repository.  To maintain the repository and prevent merge conflicts, we will utilize the Kanban style app Trello for project management.  Our base file type will be comma separated value(CSV) files.</a:t>
             </a:r>
           </a:p>
         </p:txBody>
@@ -7217,7 +7206,7 @@
                   <a:schemeClr val="bg1"/>
                 </a:solidFill>
               </a:rPr>
-              <a:t>Neighborhoods will be the primary attribute that we intend to join datasets on. Accordingly we will need to verify that all datasets have comparable neighborhood attributes.</a:t>
+              <a:t>Neighborhoods will be the primary attribute that we intend to join datasets on. Accordingly, we will need to verify that all datasets have comparable neighborhood attributes.</a:t>
             </a:r>
           </a:p>
           <a:p>
